--- a/airframe/AIRFRAME BENCHMARKING/Benchmarking R1-Tuskegee University.pptx
+++ b/airframe/AIRFRAME BENCHMARKING/Benchmarking R1-Tuskegee University.pptx
@@ -4067,7 +4067,7 @@
           <a:p>
             <a:fld id="{866D81A9-CFC2-4640-899E-DD3E177BE50A}" type="datetimeFigureOut">
               <a:rPr lang="en-US" smtClean="0"/>
-              <a:t>11/6/2021</a:t>
+              <a:t>11/7/2021</a:t>
             </a:fld>
             <a:endParaRPr lang="en-US" dirty="0"/>
           </a:p>
@@ -4244,7 +4244,7 @@
           <a:p>
             <a:fld id="{AA1E50F4-C55A-473A-A70B-4B042EF011A9}" type="datetimeFigureOut">
               <a:rPr lang="en-US" smtClean="0"/>
-              <a:t>11/6/2021</a:t>
+              <a:t>11/7/2021</a:t>
             </a:fld>
             <a:endParaRPr lang="en-US" dirty="0"/>
           </a:p>
@@ -5161,7 +5161,7 @@
             <a:fld id="{87DE6118-2437-4B30-8E3C-4D2BE6020583}" type="datetimeFigureOut">
               <a:rPr lang="en-US" smtClean="0"/>
               <a:pPr/>
-              <a:t>11/6/2021</a:t>
+              <a:t>11/7/2021</a:t>
             </a:fld>
             <a:endParaRPr lang="en-US" dirty="0"/>
           </a:p>
@@ -5497,7 +5497,7 @@
             <a:fld id="{87DE6118-2437-4B30-8E3C-4D2BE6020583}" type="datetimeFigureOut">
               <a:rPr lang="en-US" smtClean="0"/>
               <a:pPr/>
-              <a:t>11/6/2021</a:t>
+              <a:t>11/7/2021</a:t>
             </a:fld>
             <a:endParaRPr lang="en-US" dirty="0"/>
           </a:p>
@@ -5777,7 +5777,7 @@
             <a:fld id="{87DE6118-2437-4B30-8E3C-4D2BE6020583}" type="datetimeFigureOut">
               <a:rPr lang="en-US" smtClean="0"/>
               <a:pPr/>
-              <a:t>11/6/2021</a:t>
+              <a:t>11/7/2021</a:t>
             </a:fld>
             <a:endParaRPr lang="en-US" dirty="0"/>
           </a:p>
@@ -6347,7 +6347,7 @@
             <a:fld id="{87DE6118-2437-4B30-8E3C-4D2BE6020583}" type="datetimeFigureOut">
               <a:rPr lang="en-US" smtClean="0"/>
               <a:pPr/>
-              <a:t>11/6/2021</a:t>
+              <a:t>11/7/2021</a:t>
             </a:fld>
             <a:endParaRPr lang="en-US" dirty="0"/>
           </a:p>
@@ -6627,7 +6627,7 @@
             <a:fld id="{87DE6118-2437-4B30-8E3C-4D2BE6020583}" type="datetimeFigureOut">
               <a:rPr lang="en-US" smtClean="0"/>
               <a:pPr/>
-              <a:t>11/6/2021</a:t>
+              <a:t>11/7/2021</a:t>
             </a:fld>
             <a:endParaRPr lang="en-US" dirty="0"/>
           </a:p>
@@ -7191,7 +7191,7 @@
             <a:fld id="{87DE6118-2437-4B30-8E3C-4D2BE6020583}" type="datetimeFigureOut">
               <a:rPr lang="en-US" smtClean="0"/>
               <a:pPr/>
-              <a:t>11/6/2021</a:t>
+              <a:t>11/7/2021</a:t>
             </a:fld>
             <a:endParaRPr lang="en-US" dirty="0"/>
           </a:p>
@@ -7520,7 +7520,7 @@
             <a:fld id="{87DE6118-2437-4B30-8E3C-4D2BE6020583}" type="datetimeFigureOut">
               <a:rPr lang="en-US" smtClean="0"/>
               <a:pPr/>
-              <a:t>11/6/2021</a:t>
+              <a:t>11/7/2021</a:t>
             </a:fld>
             <a:endParaRPr lang="en-US" dirty="0"/>
           </a:p>
@@ -7726,7 +7726,7 @@
           <a:p>
             <a:fld id="{87DE6118-2437-4B30-8E3C-4D2BE6020583}" type="datetimeFigureOut">
               <a:rPr lang="en-US" smtClean="0"/>
-              <a:t>11/6/2021</a:t>
+              <a:t>11/7/2021</a:t>
             </a:fld>
             <a:endParaRPr lang="en-US" dirty="0"/>
           </a:p>
@@ -7936,7 +7936,7 @@
           <a:p>
             <a:fld id="{87DE6118-2437-4B30-8E3C-4D2BE6020583}" type="datetimeFigureOut">
               <a:rPr lang="en-US" smtClean="0"/>
-              <a:t>11/6/2021</a:t>
+              <a:t>11/7/2021</a:t>
             </a:fld>
             <a:endParaRPr lang="en-US" dirty="0"/>
           </a:p>
@@ -8136,7 +8136,7 @@
           <a:p>
             <a:fld id="{87DE6118-2437-4B30-8E3C-4D2BE6020583}" type="datetimeFigureOut">
               <a:rPr lang="en-US" smtClean="0"/>
-              <a:t>11/6/2021</a:t>
+              <a:t>11/7/2021</a:t>
             </a:fld>
             <a:endParaRPr lang="en-US" dirty="0"/>
           </a:p>
@@ -8413,7 +8413,7 @@
             <a:fld id="{87DE6118-2437-4B30-8E3C-4D2BE6020583}" type="datetimeFigureOut">
               <a:rPr lang="en-US" smtClean="0"/>
               <a:pPr/>
-              <a:t>11/6/2021</a:t>
+              <a:t>11/7/2021</a:t>
             </a:fld>
             <a:endParaRPr lang="en-US" dirty="0"/>
           </a:p>
@@ -8680,7 +8680,7 @@
           <a:p>
             <a:fld id="{87DE6118-2437-4B30-8E3C-4D2BE6020583}" type="datetimeFigureOut">
               <a:rPr lang="en-US" smtClean="0"/>
-              <a:t>11/6/2021</a:t>
+              <a:t>11/7/2021</a:t>
             </a:fld>
             <a:endParaRPr lang="en-US" dirty="0"/>
           </a:p>
@@ -9054,7 +9054,7 @@
           <a:p>
             <a:fld id="{87DE6118-2437-4B30-8E3C-4D2BE6020583}" type="datetimeFigureOut">
               <a:rPr lang="en-US" smtClean="0"/>
-              <a:t>11/6/2021</a:t>
+              <a:t>11/7/2021</a:t>
             </a:fld>
             <a:endParaRPr lang="en-US" dirty="0"/>
           </a:p>
@@ -9202,7 +9202,7 @@
           <a:p>
             <a:fld id="{87DE6118-2437-4B30-8E3C-4D2BE6020583}" type="datetimeFigureOut">
               <a:rPr lang="en-US" smtClean="0"/>
-              <a:t>11/6/2021</a:t>
+              <a:t>11/7/2021</a:t>
             </a:fld>
             <a:endParaRPr lang="en-US" dirty="0"/>
           </a:p>
@@ -9327,7 +9327,7 @@
           <a:p>
             <a:fld id="{87DE6118-2437-4B30-8E3C-4D2BE6020583}" type="datetimeFigureOut">
               <a:rPr lang="en-US" smtClean="0"/>
-              <a:t>11/6/2021</a:t>
+              <a:t>11/7/2021</a:t>
             </a:fld>
             <a:endParaRPr lang="en-US" dirty="0"/>
           </a:p>
@@ -9613,7 +9613,7 @@
             <a:fld id="{87DE6118-2437-4B30-8E3C-4D2BE6020583}" type="datetimeFigureOut">
               <a:rPr lang="en-US" smtClean="0"/>
               <a:pPr/>
-              <a:t>11/6/2021</a:t>
+              <a:t>11/7/2021</a:t>
             </a:fld>
             <a:endParaRPr lang="en-US" dirty="0"/>
           </a:p>
@@ -9939,7 +9939,7 @@
             <a:fld id="{87DE6118-2437-4B30-8E3C-4D2BE6020583}" type="datetimeFigureOut">
               <a:rPr lang="en-US" smtClean="0"/>
               <a:pPr/>
-              <a:t>11/6/2021</a:t>
+              <a:t>11/7/2021</a:t>
             </a:fld>
             <a:endParaRPr lang="en-US" dirty="0"/>
           </a:p>
@@ -10155,7 +10155,7 @@
             <a:fld id="{87DE6118-2437-4B30-8E3C-4D2BE6020583}" type="datetimeFigureOut">
               <a:rPr lang="en-US" smtClean="0"/>
               <a:pPr/>
-              <a:t>11/6/2021</a:t>
+              <a:t>11/7/2021</a:t>
             </a:fld>
             <a:endParaRPr lang="en-US" dirty="0"/>
           </a:p>
@@ -20183,6 +20183,41 @@
             <a:r>
               <a:rPr lang="en-US" dirty="0"/>
               <a:t>Both of the altimeters and GPS have independent dedicated power sources</a:t>
+            </a:r>
+          </a:p>
+        </p:txBody>
+      </p:sp>
+      <p:sp>
+        <p:nvSpPr>
+          <p:cNvPr id="3" name="TextBox 2">
+            <a:extLst>
+              <a:ext uri="{FF2B5EF4-FFF2-40B4-BE49-F238E27FC236}">
+                <a16:creationId xmlns:a16="http://schemas.microsoft.com/office/drawing/2014/main" id="{FC08B2AC-E684-45A2-92DF-BEEF00FE2C14}"/>
+              </a:ext>
+            </a:extLst>
+          </p:cNvPr>
+          <p:cNvSpPr txBox="1"/>
+          <p:nvPr/>
+        </p:nvSpPr>
+        <p:spPr>
+          <a:xfrm>
+            <a:off x="321972" y="2756079"/>
+            <a:ext cx="10183622" cy="369332"/>
+          </a:xfrm>
+          <a:prstGeom prst="rect">
+            <a:avLst/>
+          </a:prstGeom>
+          <a:noFill/>
+        </p:spPr>
+        <p:txBody>
+          <a:bodyPr wrap="none" rtlCol="0">
+            <a:spAutoFit/>
+          </a:bodyPr>
+          <a:lstStyle/>
+          <a:p>
+            <a:r>
+              <a:rPr lang="en-US" b="1" dirty="0"/>
+              <a:t>Reference: https://www.tuskegee.edu/Content/Uploads/Tuskegee/files/CriticalDesignReview2009-1.pdf</a:t>
             </a:r>
           </a:p>
         </p:txBody>
@@ -21183,12 +21218,12 @@
 </file>
 
 <file path=customXml/item1.xml><?xml version="1.0" encoding="utf-8"?>
-<?mso-contentType ?>
-<FormTemplates xmlns="http://schemas.microsoft.com/sharepoint/v3/contenttype/forms">
-  <Display>DocumentLibraryForm</Display>
-  <Edit>DocumentLibraryForm</Edit>
-  <New>DocumentLibraryForm</New>
-</FormTemplates>
+<p:properties xmlns:p="http://schemas.microsoft.com/office/2006/metadata/properties" xmlns:xsi="http://www.w3.org/2001/XMLSchema-instance" xmlns:pc="http://schemas.microsoft.com/office/infopath/2007/PartnerControls">
+  <documentManagement>
+    <Status xmlns="71af3243-3dd4-4a8d-8c0d-dd76da1f02a5">Not started</Status>
+    <MediaServiceKeyPoints xmlns="71af3243-3dd4-4a8d-8c0d-dd76da1f02a5" xsi:nil="true"/>
+  </documentManagement>
+</p:properties>
 </file>
 
 <file path=customXml/item2.xml><?xml version="1.0" encoding="utf-8"?>
@@ -21413,18 +21448,20 @@
 </file>
 
 <file path=customXml/item3.xml><?xml version="1.0" encoding="utf-8"?>
-<p:properties xmlns:p="http://schemas.microsoft.com/office/2006/metadata/properties" xmlns:xsi="http://www.w3.org/2001/XMLSchema-instance" xmlns:pc="http://schemas.microsoft.com/office/infopath/2007/PartnerControls">
-  <documentManagement>
-    <Status xmlns="71af3243-3dd4-4a8d-8c0d-dd76da1f02a5">Not started</Status>
-    <MediaServiceKeyPoints xmlns="71af3243-3dd4-4a8d-8c0d-dd76da1f02a5" xsi:nil="true"/>
-  </documentManagement>
-</p:properties>
+<?mso-contentType ?>
+<FormTemplates xmlns="http://schemas.microsoft.com/sharepoint/v3/contenttype/forms">
+  <Display>DocumentLibraryForm</Display>
+  <Edit>DocumentLibraryForm</Edit>
+  <New>DocumentLibraryForm</New>
+</FormTemplates>
 </file>
 
 <file path=customXml/itemProps1.xml><?xml version="1.0" encoding="utf-8"?>
-<ds:datastoreItem xmlns:ds="http://schemas.openxmlformats.org/officeDocument/2006/customXml" ds:itemID="{A0D51BCB-0419-432E-B7F1-25548446A625}">
+<ds:datastoreItem xmlns:ds="http://schemas.openxmlformats.org/officeDocument/2006/customXml" ds:itemID="{1F08B90B-70ED-4539-9C14-FB2728D9064F}">
   <ds:schemaRefs>
-    <ds:schemaRef ds:uri="http://schemas.microsoft.com/sharepoint/v3/contenttype/forms"/>
+    <ds:schemaRef ds:uri="http://schemas.microsoft.com/office/2006/metadata/properties"/>
+    <ds:schemaRef ds:uri="http://schemas.microsoft.com/office/infopath/2007/PartnerControls"/>
+    <ds:schemaRef ds:uri="71af3243-3dd4-4a8d-8c0d-dd76da1f02a5"/>
   </ds:schemaRefs>
 </ds:datastoreItem>
 </file>
@@ -21449,11 +21486,9 @@
 </file>
 
 <file path=customXml/itemProps3.xml><?xml version="1.0" encoding="utf-8"?>
-<ds:datastoreItem xmlns:ds="http://schemas.openxmlformats.org/officeDocument/2006/customXml" ds:itemID="{1F08B90B-70ED-4539-9C14-FB2728D9064F}">
+<ds:datastoreItem xmlns:ds="http://schemas.openxmlformats.org/officeDocument/2006/customXml" ds:itemID="{A0D51BCB-0419-432E-B7F1-25548446A625}">
   <ds:schemaRefs>
-    <ds:schemaRef ds:uri="http://schemas.microsoft.com/office/2006/metadata/properties"/>
-    <ds:schemaRef ds:uri="http://schemas.microsoft.com/office/infopath/2007/PartnerControls"/>
-    <ds:schemaRef ds:uri="71af3243-3dd4-4a8d-8c0d-dd76da1f02a5"/>
+    <ds:schemaRef ds:uri="http://schemas.microsoft.com/sharepoint/v3/contenttype/forms"/>
   </ds:schemaRefs>
 </ds:datastoreItem>
 </file>